--- a/CryptoProject.pptx
+++ b/CryptoProject.pptx
@@ -228,7 +228,7 @@
           <a:p>
             <a:fld id="{8410B088-D4CF-442A-977E-725FBCB8DB27}" type="datetimeFigureOut">
               <a:rPr lang="en-US" smtClean="0"/>
-              <a:t>4/4/2019</a:t>
+              <a:t>4/4/19</a:t>
             </a:fld>
             <a:endParaRPr lang="en-US"/>
           </a:p>
@@ -393,7 +393,7 @@
           <a:p>
             <a:fld id="{2A2C037C-DB50-4CFF-BFB2-24DE6087B240}" type="datetimeFigureOut">
               <a:rPr lang="en-US" smtClean="0"/>
-              <a:t>4/4/2019</a:t>
+              <a:t>4/4/19</a:t>
             </a:fld>
             <a:endParaRPr lang="en-US"/>
           </a:p>
@@ -457,38 +457,37 @@
           <a:p>
             <a:pPr lvl="0"/>
             <a:r>
-              <a:rPr lang="en-US" smtClean="0"/>
+              <a:rPr lang="en-US"/>
               <a:t>Edit Master text styles</a:t>
             </a:r>
           </a:p>
           <a:p>
             <a:pPr lvl="1"/>
             <a:r>
-              <a:rPr lang="en-US" smtClean="0"/>
+              <a:rPr lang="en-US"/>
               <a:t>Second level</a:t>
             </a:r>
           </a:p>
           <a:p>
             <a:pPr lvl="2"/>
             <a:r>
-              <a:rPr lang="en-US" smtClean="0"/>
+              <a:rPr lang="en-US"/>
               <a:t>Third level</a:t>
             </a:r>
           </a:p>
           <a:p>
             <a:pPr lvl="3"/>
             <a:r>
-              <a:rPr lang="en-US" smtClean="0"/>
+              <a:rPr lang="en-US"/>
               <a:t>Fourth level</a:t>
             </a:r>
           </a:p>
           <a:p>
             <a:pPr lvl="4"/>
             <a:r>
-              <a:rPr lang="en-US" smtClean="0"/>
+              <a:rPr lang="en-US"/>
               <a:t>Fifth level</a:t>
             </a:r>
-            <a:endParaRPr lang="en-US"/>
           </a:p>
         </p:txBody>
       </p:sp>
@@ -790,7 +789,7 @@
           <a:lstStyle/>
           <a:p>
             <a:r>
-              <a:rPr lang="en-US" sz="1200" b="0" i="0" u="none" strike="noStrike" kern="1200" dirty="0" smtClean="0">
+              <a:rPr lang="en-US" sz="1200" b="0" i="0" u="none" strike="noStrike" kern="1200" dirty="0">
                 <a:solidFill>
                   <a:schemeClr val="tx1"/>
                 </a:solidFill>
@@ -802,7 +801,7 @@
               <a:t>DXY:</a:t>
             </a:r>
             <a:r>
-              <a:rPr lang="en-US" sz="1200" b="0" i="0" u="none" strike="noStrike" kern="1200" baseline="0" dirty="0" smtClean="0">
+              <a:rPr lang="en-US" sz="1200" b="0" i="0" u="none" strike="noStrike" kern="1200" baseline="0" dirty="0">
                 <a:solidFill>
                   <a:schemeClr val="tx1"/>
                 </a:solidFill>
@@ -814,7 +813,7 @@
               <a:t>  </a:t>
             </a:r>
             <a:r>
-              <a:rPr lang="en-US" sz="1200" b="0" i="0" u="none" strike="noStrike" kern="1200" dirty="0" smtClean="0">
+              <a:rPr lang="en-US" sz="1200" b="0" i="0" u="none" strike="noStrike" kern="1200" dirty="0">
                 <a:solidFill>
                   <a:schemeClr val="tx1"/>
                 </a:solidFill>
@@ -828,7 +827,7 @@
           </a:p>
           <a:p>
             <a:r>
-              <a:rPr lang="en-US" sz="1200" b="0" i="0" u="none" strike="noStrike" kern="1200" dirty="0" smtClean="0">
+              <a:rPr lang="en-US" sz="1200" b="0" i="0" u="none" strike="noStrike" kern="1200" dirty="0">
                 <a:solidFill>
                   <a:schemeClr val="tx1"/>
                 </a:solidFill>
@@ -842,7 +841,7 @@
           </a:p>
           <a:p>
             <a:r>
-              <a:rPr lang="en-US" sz="1200" b="0" i="0" u="none" strike="noStrike" kern="1200" dirty="0" smtClean="0">
+              <a:rPr lang="en-US" sz="1200" b="0" i="0" u="none" strike="noStrike" kern="1200" dirty="0">
                 <a:solidFill>
                   <a:schemeClr val="tx1"/>
                 </a:solidFill>
@@ -955,7 +954,7 @@
               <a:defRPr/>
             </a:pPr>
             <a:r>
-              <a:rPr lang="en-US" sz="1200" dirty="0" smtClean="0">
+              <a:rPr lang="en-US" sz="1200" dirty="0">
                 <a:solidFill>
                   <a:schemeClr val="bg1"/>
                 </a:solidFill>
@@ -982,7 +981,7 @@
               <a:defRPr/>
             </a:pPr>
             <a:r>
-              <a:rPr lang="en-US" sz="1200" dirty="0" smtClean="0">
+              <a:rPr lang="en-US" sz="1200" dirty="0">
                 <a:solidFill>
                   <a:schemeClr val="bg1"/>
                 </a:solidFill>
@@ -1008,7 +1007,7 @@
               <a:tabLst/>
               <a:defRPr/>
             </a:pPr>
-            <a:endParaRPr lang="en-US" sz="1200" dirty="0" smtClean="0">
+            <a:endParaRPr lang="en-US" sz="1200" dirty="0">
               <a:solidFill>
                 <a:schemeClr val="bg1"/>
               </a:solidFill>
@@ -1202,7 +1201,7 @@
           <a:p>
             <a:fld id="{B0535595-16B6-FA4A-8E7A-57CDD7B5B55A}" type="datetimeFigureOut">
               <a:rPr lang="en-US" smtClean="0"/>
-              <a:t>4/4/2019</a:t>
+              <a:t>4/4/19</a:t>
             </a:fld>
             <a:endParaRPr lang="en-US"/>
           </a:p>
@@ -1272,13 +1271,6 @@
   <p:clrMapOvr>
     <a:masterClrMapping/>
   </p:clrMapOvr>
-  <p:timing>
-    <p:tnLst>
-      <p:par>
-        <p:cTn id="1" dur="indefinite" restart="never" nodeType="tmRoot"/>
-      </p:par>
-    </p:tnLst>
-  </p:timing>
 </p:sldLayout>
 </file>
 
@@ -1407,7 +1399,7 @@
           <a:p>
             <a:fld id="{B0535595-16B6-FA4A-8E7A-57CDD7B5B55A}" type="datetimeFigureOut">
               <a:rPr lang="en-US" smtClean="0"/>
-              <a:t>4/4/2019</a:t>
+              <a:t>4/4/19</a:t>
             </a:fld>
             <a:endParaRPr lang="en-US"/>
           </a:p>
@@ -1615,7 +1607,7 @@
           <a:p>
             <a:fld id="{B0535595-16B6-FA4A-8E7A-57CDD7B5B55A}" type="datetimeFigureOut">
               <a:rPr lang="en-US" smtClean="0"/>
-              <a:t>4/4/2019</a:t>
+              <a:t>4/4/19</a:t>
             </a:fld>
             <a:endParaRPr lang="en-US"/>
           </a:p>
@@ -1685,13 +1677,6 @@
   <p:clrMapOvr>
     <a:masterClrMapping/>
   </p:clrMapOvr>
-  <p:timing>
-    <p:tnLst>
-      <p:par>
-        <p:cTn id="1" dur="indefinite" restart="never" nodeType="tmRoot"/>
-      </p:par>
-    </p:tnLst>
-  </p:timing>
 </p:sldLayout>
 </file>
 
@@ -1820,7 +1805,7 @@
           <a:p>
             <a:fld id="{B0535595-16B6-FA4A-8E7A-57CDD7B5B55A}" type="datetimeFigureOut">
               <a:rPr lang="en-US" smtClean="0"/>
-              <a:t>4/4/2019</a:t>
+              <a:t>4/4/19</a:t>
             </a:fld>
             <a:endParaRPr lang="en-US"/>
           </a:p>
@@ -1890,13 +1875,6 @@
   <p:clrMapOvr>
     <a:masterClrMapping/>
   </p:clrMapOvr>
-  <p:timing>
-    <p:tnLst>
-      <p:par>
-        <p:cTn id="1" dur="indefinite" restart="never" nodeType="tmRoot"/>
-      </p:par>
-    </p:tnLst>
-  </p:timing>
 </p:sldLayout>
 </file>
 
@@ -2102,7 +2080,7 @@
           <a:p>
             <a:fld id="{B0535595-16B6-FA4A-8E7A-57CDD7B5B55A}" type="datetimeFigureOut">
               <a:rPr lang="en-US" smtClean="0"/>
-              <a:t>4/4/2019</a:t>
+              <a:t>4/4/19</a:t>
             </a:fld>
             <a:endParaRPr lang="en-US"/>
           </a:p>
@@ -2172,13 +2150,6 @@
   <p:clrMapOvr>
     <a:masterClrMapping/>
   </p:clrMapOvr>
-  <p:timing>
-    <p:tnLst>
-      <p:par>
-        <p:cTn id="1" dur="indefinite" restart="never" nodeType="tmRoot"/>
-      </p:par>
-    </p:tnLst>
-  </p:timing>
 </p:sldLayout>
 </file>
 
@@ -2374,7 +2345,7 @@
           <a:p>
             <a:fld id="{B0535595-16B6-FA4A-8E7A-57CDD7B5B55A}" type="datetimeFigureOut">
               <a:rPr lang="en-US" smtClean="0"/>
-              <a:t>4/4/2019</a:t>
+              <a:t>4/4/19</a:t>
             </a:fld>
             <a:endParaRPr lang="en-US"/>
           </a:p>
@@ -2444,13 +2415,6 @@
   <p:clrMapOvr>
     <a:masterClrMapping/>
   </p:clrMapOvr>
-  <p:timing>
-    <p:tnLst>
-      <p:par>
-        <p:cTn id="1" dur="indefinite" restart="never" nodeType="tmRoot"/>
-      </p:par>
-    </p:tnLst>
-  </p:timing>
 </p:sldLayout>
 </file>
 
@@ -2793,7 +2757,7 @@
           <a:p>
             <a:fld id="{B0535595-16B6-FA4A-8E7A-57CDD7B5B55A}" type="datetimeFigureOut">
               <a:rPr lang="en-US" smtClean="0"/>
-              <a:t>4/4/2019</a:t>
+              <a:t>4/4/19</a:t>
             </a:fld>
             <a:endParaRPr lang="en-US"/>
           </a:p>
@@ -2863,13 +2827,6 @@
   <p:clrMapOvr>
     <a:masterClrMapping/>
   </p:clrMapOvr>
-  <p:timing>
-    <p:tnLst>
-      <p:par>
-        <p:cTn id="1" dur="indefinite" restart="never" nodeType="tmRoot"/>
-      </p:par>
-    </p:tnLst>
-  </p:timing>
 </p:sldLayout>
 </file>
 
@@ -2941,7 +2898,7 @@
           <a:p>
             <a:fld id="{B0535595-16B6-FA4A-8E7A-57CDD7B5B55A}" type="datetimeFigureOut">
               <a:rPr lang="en-US" smtClean="0"/>
-              <a:t>4/4/2019</a:t>
+              <a:t>4/4/19</a:t>
             </a:fld>
             <a:endParaRPr lang="en-US"/>
           </a:p>
@@ -3011,13 +2968,6 @@
   <p:clrMapOvr>
     <a:masterClrMapping/>
   </p:clrMapOvr>
-  <p:timing>
-    <p:tnLst>
-      <p:par>
-        <p:cTn id="1" dur="indefinite" restart="never" nodeType="tmRoot"/>
-      </p:par>
-    </p:tnLst>
-  </p:timing>
 </p:sldLayout>
 </file>
 
@@ -3061,7 +3011,7 @@
           <a:p>
             <a:fld id="{B0535595-16B6-FA4A-8E7A-57CDD7B5B55A}" type="datetimeFigureOut">
               <a:rPr lang="en-US" smtClean="0"/>
-              <a:t>4/4/2019</a:t>
+              <a:t>4/4/19</a:t>
             </a:fld>
             <a:endParaRPr lang="en-US"/>
           </a:p>
@@ -3131,13 +3081,6 @@
   <p:clrMapOvr>
     <a:masterClrMapping/>
   </p:clrMapOvr>
-  <p:timing>
-    <p:tnLst>
-      <p:par>
-        <p:cTn id="1" dur="indefinite" restart="never" nodeType="tmRoot"/>
-      </p:par>
-    </p:tnLst>
-  </p:timing>
 </p:sldLayout>
 </file>
 
@@ -3379,7 +3322,7 @@
           <a:p>
             <a:fld id="{B0535595-16B6-FA4A-8E7A-57CDD7B5B55A}" type="datetimeFigureOut">
               <a:rPr lang="en-US" smtClean="0"/>
-              <a:t>4/4/2019</a:t>
+              <a:t>4/4/19</a:t>
             </a:fld>
             <a:endParaRPr lang="en-US"/>
           </a:p>
@@ -3449,13 +3392,6 @@
   <p:clrMapOvr>
     <a:masterClrMapping/>
   </p:clrMapOvr>
-  <p:timing>
-    <p:tnLst>
-      <p:par>
-        <p:cTn id="1" dur="indefinite" restart="never" nodeType="tmRoot"/>
-      </p:par>
-    </p:tnLst>
-  </p:timing>
 </p:sldLayout>
 </file>
 
@@ -3674,7 +3610,7 @@
           <a:p>
             <a:fld id="{B0535595-16B6-FA4A-8E7A-57CDD7B5B55A}" type="datetimeFigureOut">
               <a:rPr lang="en-US" smtClean="0"/>
-              <a:t>4/4/2019</a:t>
+              <a:t>4/4/19</a:t>
             </a:fld>
             <a:endParaRPr lang="en-US"/>
           </a:p>
@@ -3744,13 +3680,6 @@
   <p:clrMapOvr>
     <a:masterClrMapping/>
   </p:clrMapOvr>
-  <p:timing>
-    <p:tnLst>
-      <p:par>
-        <p:cTn id="1" dur="indefinite" restart="never" nodeType="tmRoot"/>
-      </p:par>
-    </p:tnLst>
-  </p:timing>
 </p:sldLayout>
 </file>
 
@@ -3922,7 +3851,7 @@
           <a:p>
             <a:fld id="{B0535595-16B6-FA4A-8E7A-57CDD7B5B55A}" type="datetimeFigureOut">
               <a:rPr lang="en-US" smtClean="0"/>
-              <a:t>4/4/2019</a:t>
+              <a:t>4/4/19</a:t>
             </a:fld>
             <a:endParaRPr lang="en-US"/>
           </a:p>
@@ -4039,13 +3968,6 @@
     <p:sldLayoutId id="2147483658" r:id="rId10"/>
     <p:sldLayoutId id="2147483659" r:id="rId11"/>
   </p:sldLayoutIdLst>
-  <p:timing>
-    <p:tnLst>
-      <p:par>
-        <p:cTn id="1" dur="indefinite" restart="never" nodeType="tmRoot"/>
-      </p:par>
-    </p:tnLst>
-  </p:timing>
   <p:txStyles>
     <p:titleStyle>
       <a:lvl1pPr algn="l" defTabSz="914400" rtl="0" eaLnBrk="1" latinLnBrk="0" hangingPunct="1">
@@ -4362,7 +4284,7 @@
                 <a16:creationId xmlns:a16="http://schemas.microsoft.com/office/drawing/2014/main" id="{0BC9EFE1-D8CB-4668-9980-DB108327A794}"/>
               </a:ext>
               <a:ext uri="{C183D7F6-B498-43B3-948B-1728B52AA6E4}">
-                <adec:decorative xmlns:adec="http://schemas.microsoft.com/office/drawing/2017/decorative" xmlns="" val="1"/>
+                <adec:decorative xmlns:adec="http://schemas.microsoft.com/office/drawing/2017/decorative" val="1"/>
               </a:ext>
             </a:extLst>
           </p:cNvPr>
@@ -4448,7 +4370,7 @@
                 <a16:creationId xmlns:a16="http://schemas.microsoft.com/office/drawing/2014/main" id="{7CBAE1BD-B8E4-4029-8AA2-C77E4FED9864}"/>
               </a:ext>
               <a:ext uri="{C183D7F6-B498-43B3-948B-1728B52AA6E4}">
-                <adec:decorative xmlns:adec="http://schemas.microsoft.com/office/drawing/2017/decorative" xmlns="" val="1"/>
+                <adec:decorative xmlns:adec="http://schemas.microsoft.com/office/drawing/2017/decorative" val="1"/>
               </a:ext>
             </a:extLst>
           </p:cNvPr>
@@ -4573,7 +4495,7 @@
                 <a16:creationId xmlns:a16="http://schemas.microsoft.com/office/drawing/2014/main" id="{77DA6D33-2D62-458C-BF5D-DBF612FD557E}"/>
               </a:ext>
               <a:ext uri="{C183D7F6-B498-43B3-948B-1728B52AA6E4}">
-                <adec:decorative xmlns:adec="http://schemas.microsoft.com/office/drawing/2017/decorative" xmlns="" val="1"/>
+                <adec:decorative xmlns:adec="http://schemas.microsoft.com/office/drawing/2017/decorative" val="1"/>
               </a:ext>
             </a:extLst>
           </p:cNvPr>
@@ -4799,13 +4721,6 @@
   <p:clrMapOvr>
     <a:masterClrMapping/>
   </p:clrMapOvr>
-  <p:timing>
-    <p:tnLst>
-      <p:par>
-        <p:cTn id="1" dur="indefinite" restart="never" nodeType="tmRoot"/>
-      </p:par>
-    </p:tnLst>
-  </p:timing>
 </p:sld>
 </file>
 
@@ -4848,10 +4763,9 @@
           <a:p>
             <a:pPr algn="ctr"/>
             <a:r>
-              <a:rPr lang="en-US" b="1" dirty="0" smtClean="0"/>
+              <a:rPr lang="en-US" b="1" dirty="0"/>
               <a:t>Appendixes</a:t>
             </a:r>
-            <a:endParaRPr lang="en-US" b="1" dirty="0"/>
           </a:p>
         </p:txBody>
       </p:sp>
@@ -4865,13 +4779,6 @@
   <p:clrMapOvr>
     <a:masterClrMapping/>
   </p:clrMapOvr>
-  <p:timing>
-    <p:tnLst>
-      <p:par>
-        <p:cTn id="1" dur="indefinite" restart="never" nodeType="tmRoot"/>
-      </p:par>
-    </p:tnLst>
-  </p:timing>
 </p:sld>
 </file>
 
@@ -4908,7 +4815,7 @@
                 <a16:creationId xmlns:a16="http://schemas.microsoft.com/office/drawing/2014/main" id="{867D4867-5BA7-4462-B2F6-A23F4A622AA7}"/>
               </a:ext>
               <a:ext uri="{C183D7F6-B498-43B3-948B-1728B52AA6E4}">
-                <adec:decorative xmlns:adec="http://schemas.microsoft.com/office/drawing/2017/decorative" xmlns="" val="1"/>
+                <adec:decorative xmlns:adec="http://schemas.microsoft.com/office/drawing/2017/decorative" val="1"/>
               </a:ext>
             </a:extLst>
           </p:cNvPr>
@@ -5230,13 +5137,6 @@
   <p:clrMapOvr>
     <a:masterClrMapping/>
   </p:clrMapOvr>
-  <p:timing>
-    <p:tnLst>
-      <p:par>
-        <p:cTn id="1" dur="indefinite" restart="never" nodeType="tmRoot"/>
-      </p:par>
-    </p:tnLst>
-  </p:timing>
 </p:sld>
 </file>
 
@@ -5273,7 +5173,7 @@
                 <a16:creationId xmlns:a16="http://schemas.microsoft.com/office/drawing/2014/main" id="{3B854194-185D-494D-905C-7C7CB2E30F6E}"/>
               </a:ext>
               <a:ext uri="{C183D7F6-B498-43B3-948B-1728B52AA6E4}">
-                <adec:decorative xmlns:adec="http://schemas.microsoft.com/office/drawing/2017/decorative" xmlns="" val="1"/>
+                <adec:decorative xmlns:adec="http://schemas.microsoft.com/office/drawing/2017/decorative" val="1"/>
               </a:ext>
             </a:extLst>
           </p:cNvPr>
@@ -5333,7 +5233,7 @@
                 <a16:creationId xmlns:a16="http://schemas.microsoft.com/office/drawing/2014/main" id="{B4F5FA0D-0104-4987-8241-EFF7C85B88DE}"/>
               </a:ext>
               <a:ext uri="{C183D7F6-B498-43B3-948B-1728B52AA6E4}">
-                <adec:decorative xmlns:adec="http://schemas.microsoft.com/office/drawing/2017/decorative" xmlns="" val="1"/>
+                <adec:decorative xmlns:adec="http://schemas.microsoft.com/office/drawing/2017/decorative" val="1"/>
               </a:ext>
             </a:extLst>
           </p:cNvPr>
@@ -5418,7 +5318,7 @@
                 <a16:creationId xmlns:a16="http://schemas.microsoft.com/office/drawing/2014/main" id="{2897127E-6CEF-446C-BE87-93B7C46E49D1}"/>
               </a:ext>
               <a:ext uri="{C183D7F6-B498-43B3-948B-1728B52AA6E4}">
-                <adec:decorative xmlns:adec="http://schemas.microsoft.com/office/drawing/2017/decorative" xmlns="" val="1"/>
+                <adec:decorative xmlns:adec="http://schemas.microsoft.com/office/drawing/2017/decorative" val="1"/>
               </a:ext>
             </a:extLst>
           </p:cNvPr>
@@ -5610,13 +5510,6 @@
   <p:clrMapOvr>
     <a:masterClrMapping/>
   </p:clrMapOvr>
-  <p:timing>
-    <p:tnLst>
-      <p:par>
-        <p:cTn id="1" dur="indefinite" restart="never" nodeType="tmRoot"/>
-      </p:par>
-    </p:tnLst>
-  </p:timing>
 </p:sld>
 </file>
 
@@ -5653,7 +5546,7 @@
                 <a16:creationId xmlns:a16="http://schemas.microsoft.com/office/drawing/2014/main" id="{4038CB10-1F5C-4D54-9DF7-12586DE5B007}"/>
               </a:ext>
               <a:ext uri="{C183D7F6-B498-43B3-948B-1728B52AA6E4}">
-                <adec:decorative xmlns:adec="http://schemas.microsoft.com/office/drawing/2017/decorative" xmlns="" val="1"/>
+                <adec:decorative xmlns:adec="http://schemas.microsoft.com/office/drawing/2017/decorative" val="1"/>
               </a:ext>
             </a:extLst>
           </p:cNvPr>
@@ -5814,7 +5707,7 @@
                 <a16:creationId xmlns:a16="http://schemas.microsoft.com/office/drawing/2014/main" id="{73ED6512-6858-4552-B699-9A97FE9A4EA2}"/>
               </a:ext>
               <a:ext uri="{C183D7F6-B498-43B3-948B-1728B52AA6E4}">
-                <adec:decorative xmlns:adec="http://schemas.microsoft.com/office/drawing/2017/decorative" xmlns="" val="1"/>
+                <adec:decorative xmlns:adec="http://schemas.microsoft.com/office/drawing/2017/decorative" val="1"/>
               </a:ext>
             </a:extLst>
           </p:cNvPr>
@@ -6013,13 +5906,6 @@
   <p:clrMapOvr>
     <a:masterClrMapping/>
   </p:clrMapOvr>
-  <p:timing>
-    <p:tnLst>
-      <p:par>
-        <p:cTn id="1" dur="indefinite" restart="never" nodeType="tmRoot"/>
-      </p:par>
-    </p:tnLst>
-  </p:timing>
 </p:sld>
 </file>
 
@@ -6149,16 +6035,8 @@
           <a:lstStyle/>
           <a:p>
             <a:pPr algn="ctr"/>
-            <a:r>
-              <a:rPr lang="en-US" sz="2000" dirty="0" smtClean="0">
-                <a:solidFill>
-                  <a:schemeClr val="bg1"/>
-                </a:solidFill>
-              </a:rPr>
-              <a:t/>
-            </a:r>
             <a:br>
-              <a:rPr lang="en-US" sz="2000" dirty="0" smtClean="0">
+              <a:rPr lang="en-US" sz="2000" dirty="0">
                 <a:solidFill>
                   <a:schemeClr val="bg1"/>
                 </a:solidFill>
@@ -6398,18 +6276,13 @@
           <a:p>
             <a:pPr algn="ctr"/>
             <a:r>
-              <a:rPr lang="en-US" sz="2800" b="1" dirty="0" smtClean="0">
+              <a:rPr lang="en-US" sz="2800" b="1" dirty="0">
                 <a:solidFill>
                   <a:schemeClr val="bg1"/>
                 </a:solidFill>
               </a:rPr>
               <a:t>Data Exploration Continued…</a:t>
             </a:r>
-            <a:endParaRPr lang="en-US" sz="2800" b="1" dirty="0">
-              <a:solidFill>
-                <a:schemeClr val="bg1"/>
-              </a:solidFill>
-            </a:endParaRPr>
           </a:p>
         </p:txBody>
       </p:sp>
@@ -6423,13 +6296,6 @@
   <p:clrMapOvr>
     <a:masterClrMapping/>
   </p:clrMapOvr>
-  <p:timing>
-    <p:tnLst>
-      <p:par>
-        <p:cTn id="1" dur="indefinite" restart="never" nodeType="tmRoot"/>
-      </p:par>
-    </p:tnLst>
-  </p:timing>
 </p:sld>
 </file>
 
@@ -6621,15 +6487,7 @@
                   <a:srgbClr val="FF0000"/>
                 </a:solidFill>
               </a:rPr>
-              <a:t> </a:t>
-            </a:r>
-            <a:r>
-              <a:rPr lang="en-US" b="1" smtClean="0">
-                <a:solidFill>
-                  <a:srgbClr val="FF0000"/>
-                </a:solidFill>
-              </a:rPr>
-              <a:t>$184.5 </a:t>
+              <a:t> $184.5 </a:t>
             </a:r>
             <a:r>
               <a:rPr lang="en-US" b="1" dirty="0">
@@ -6759,8 +6617,8 @@
         </p:nvSpPr>
         <p:spPr>
           <a:xfrm>
-            <a:off x="818178" y="2420203"/>
-            <a:ext cx="4521844" cy="646331"/>
+            <a:off x="5641382" y="5969654"/>
+            <a:ext cx="4521844" cy="523220"/>
           </a:xfrm>
           <a:prstGeom prst="rect">
             <a:avLst/>
@@ -6774,31 +6632,23 @@
           <a:lstStyle/>
           <a:p>
             <a:r>
-              <a:rPr lang="en-US" sz="3600" b="1" i="1" dirty="0" smtClean="0">
+              <a:rPr lang="en-US" sz="2800" b="1" i="1" dirty="0">
                 <a:solidFill>
                   <a:srgbClr val="FF0000"/>
                 </a:solidFill>
               </a:rPr>
-              <a:t>184.5 </a:t>
-            </a:r>
-            <a:r>
-              <a:rPr lang="en-US" sz="3600" b="1" i="1" dirty="0">
-                <a:solidFill>
-                  <a:srgbClr val="FF0000"/>
-                </a:solidFill>
-              </a:rPr>
-              <a:t>Billions </a:t>
-            </a:r>
-            <a:endParaRPr lang="en-US" sz="3600" b="1" i="1" dirty="0"/>
+              <a:t>$184.5Billions </a:t>
+            </a:r>
+            <a:endParaRPr lang="en-US" sz="2800" b="1" i="1" dirty="0"/>
           </a:p>
         </p:txBody>
       </p:sp>
       <p:pic>
         <p:nvPicPr>
-          <p:cNvPr id="12" name="Picture 11">
-            <a:extLst>
-              <a:ext uri="{FF2B5EF4-FFF2-40B4-BE49-F238E27FC236}">
-                <a16:creationId xmlns:a16="http://schemas.microsoft.com/office/drawing/2014/main" id="{20BAFC4A-E408-F84F-8498-3A2BDFD5F6D7}"/>
+          <p:cNvPr id="6" name="Picture 5" descr="A picture containing text&#10;&#10;Description automatically generated">
+            <a:extLst>
+              <a:ext uri="{FF2B5EF4-FFF2-40B4-BE49-F238E27FC236}">
+                <a16:creationId xmlns:a16="http://schemas.microsoft.com/office/drawing/2014/main" id="{8EF25347-9314-134D-90B3-0A3AA7B8006D}"/>
               </a:ext>
             </a:extLst>
           </p:cNvPr>
@@ -6815,8 +6665,8 @@
         </p:blipFill>
         <p:spPr>
           <a:xfrm>
-            <a:off x="818178" y="2978452"/>
-            <a:ext cx="4184600" cy="2904238"/>
+            <a:off x="46039" y="2140504"/>
+            <a:ext cx="5099397" cy="4717496"/>
           </a:xfrm>
           <a:prstGeom prst="rect">
             <a:avLst/>
@@ -6833,13 +6683,6 @@
   <p:clrMapOvr>
     <a:masterClrMapping/>
   </p:clrMapOvr>
-  <p:timing>
-    <p:tnLst>
-      <p:par>
-        <p:cTn id="1" dur="indefinite" restart="never" nodeType="tmRoot"/>
-      </p:par>
-    </p:tnLst>
-  </p:timing>
 </p:sld>
 </file>
 
@@ -7040,19 +6883,7 @@
             </a:pPr>
             <a:r>
               <a:rPr lang="en-US" dirty="0"/>
-              <a:t>Coinmarketcap.com API </a:t>
-            </a:r>
-            <a:r>
-              <a:rPr lang="en-US" dirty="0" smtClean="0"/>
-              <a:t>(Market </a:t>
-            </a:r>
-            <a:r>
-              <a:rPr lang="en-US" dirty="0"/>
-              <a:t>capitalization data</a:t>
-            </a:r>
-            <a:r>
-              <a:rPr lang="en-US" dirty="0" smtClean="0"/>
-              <a:t>)</a:t>
+              <a:t>Coinmarketcap.com API (Market capitalization data)</a:t>
             </a:r>
           </a:p>
           <a:p>
@@ -7062,11 +6893,7 @@
             </a:pPr>
             <a:r>
               <a:rPr lang="en-US" dirty="0"/>
-              <a:t>https://www.alphavantage.co (stock data</a:t>
-            </a:r>
-            <a:r>
-              <a:rPr lang="en-US" dirty="0" smtClean="0"/>
-              <a:t>)</a:t>
+              <a:t>https://www.alphavantage.co (stock data)</a:t>
             </a:r>
           </a:p>
           <a:p>
@@ -7075,7 +6902,7 @@
               <a:buChar char="•"/>
             </a:pPr>
             <a:r>
-              <a:rPr lang="en-US" dirty="0" smtClean="0"/>
+              <a:rPr lang="en-US" dirty="0"/>
               <a:t>Investing.com; MarketWatch.com (Major Indices)</a:t>
             </a:r>
           </a:p>
@@ -7085,7 +6912,7 @@
               <a:buChar char="•"/>
             </a:pPr>
             <a:r>
-              <a:rPr lang="en-US" dirty="0" smtClean="0"/>
+              <a:rPr lang="en-US" dirty="0"/>
               <a:t>DXY – US Dollar Index</a:t>
             </a:r>
           </a:p>
@@ -7095,16 +6922,8 @@
               <a:buChar char="•"/>
             </a:pPr>
             <a:r>
-              <a:rPr lang="en-US" dirty="0" smtClean="0"/>
-              <a:t>DJIA - The </a:t>
-            </a:r>
-            <a:r>
               <a:rPr lang="en-US" dirty="0"/>
-              <a:t>Dow Jones Industrial </a:t>
-            </a:r>
-            <a:r>
-              <a:rPr lang="en-US" dirty="0" smtClean="0"/>
-              <a:t>Average</a:t>
+              <a:t>DJIA - The Dow Jones Industrial Average</a:t>
             </a:r>
           </a:p>
           <a:p>
@@ -7113,7 +6932,7 @@
               <a:buChar char="•"/>
             </a:pPr>
             <a:r>
-              <a:rPr lang="en-US" dirty="0" smtClean="0"/>
+              <a:rPr lang="en-US" dirty="0"/>
               <a:t>VIX – CBOE Volatility Index (fear index)</a:t>
             </a:r>
           </a:p>
@@ -7166,13 +6985,6 @@
   <p:clrMapOvr>
     <a:masterClrMapping/>
   </p:clrMapOvr>
-  <p:timing>
-    <p:tnLst>
-      <p:par>
-        <p:cTn id="1" dur="indefinite" restart="never" nodeType="tmRoot"/>
-      </p:par>
-    </p:tnLst>
-  </p:timing>
 </p:sld>
 </file>
 
@@ -7222,18 +7034,13 @@
           <a:lstStyle/>
           <a:p>
             <a:r>
-              <a:rPr lang="en-US" b="1" dirty="0" smtClean="0">
+              <a:rPr lang="en-US" b="1" dirty="0">
                 <a:solidFill>
                   <a:schemeClr val="accent1"/>
                 </a:solidFill>
               </a:rPr>
               <a:t>Data Exploration &amp; Clean-up</a:t>
             </a:r>
-            <a:endParaRPr lang="en-US" b="1" dirty="0">
-              <a:solidFill>
-                <a:schemeClr val="accent1"/>
-              </a:solidFill>
-            </a:endParaRPr>
           </a:p>
         </p:txBody>
       </p:sp>
@@ -7269,11 +7076,11 @@
               <a:buNone/>
             </a:pPr>
             <a:r>
-              <a:rPr lang="en-US" dirty="0" smtClean="0"/>
+              <a:rPr lang="en-US" dirty="0"/>
               <a:t>Browsing data can be </a:t>
             </a:r>
             <a:r>
-              <a:rPr lang="en-US" b="1" dirty="0" smtClean="0">
+              <a:rPr lang="en-US" b="1" dirty="0">
                 <a:solidFill>
                   <a:schemeClr val="accent1"/>
                 </a:solidFill>
@@ -7281,12 +7088,8 @@
               <a:t>too</a:t>
             </a:r>
             <a:r>
-              <a:rPr lang="en-US" dirty="0" smtClean="0"/>
-              <a:t> inspirational:  the process of finding </a:t>
-            </a:r>
-            <a:r>
               <a:rPr lang="en-US" dirty="0"/>
-              <a:t>just the </a:t>
+              <a:t> inspirational:  the process of finding just the </a:t>
             </a:r>
             <a:r>
               <a:rPr lang="en-US" b="1" dirty="0">
@@ -7298,11 +7101,7 @@
             </a:r>
             <a:r>
               <a:rPr lang="en-US" dirty="0"/>
-              <a:t> combination for successful </a:t>
-            </a:r>
-            <a:r>
-              <a:rPr lang="en-US" dirty="0" smtClean="0"/>
-              <a:t>analysis can become very compelling which could be a challenge for time-sensitive projects.</a:t>
+              <a:t> combination for successful analysis can become very compelling which could be a challenge for time-sensitive projects.</a:t>
             </a:r>
           </a:p>
         </p:txBody>
@@ -7329,19 +7128,15 @@
           <a:lstStyle/>
           <a:p>
             <a:r>
-              <a:rPr lang="en-US" sz="2600" dirty="0" smtClean="0"/>
-              <a:t>Beating </a:t>
-            </a:r>
-            <a:r>
               <a:rPr lang="en-US" sz="2600" dirty="0"/>
-              <a:t>the learning curve: thank you Google, thank you </a:t>
+              <a:t>Beating the learning curve: thank you Google, thank you </a:t>
             </a:r>
             <a:r>
               <a:rPr lang="en-US" sz="2600" dirty="0" err="1"/>
               <a:t>StackOverflow</a:t>
             </a:r>
             <a:r>
-              <a:rPr lang="en-US" sz="2600" dirty="0" smtClean="0"/>
+              <a:rPr lang="en-US" sz="2600" dirty="0"/>
               <a:t>!</a:t>
             </a:r>
           </a:p>
@@ -7669,13 +7464,6 @@
   <p:clrMapOvr>
     <a:masterClrMapping/>
   </p:clrMapOvr>
-  <p:timing>
-    <p:tnLst>
-      <p:par>
-        <p:cTn id="1" dur="indefinite" restart="never" nodeType="tmRoot"/>
-      </p:par>
-    </p:tnLst>
-  </p:timing>
 </p:sld>
 </file>
 
@@ -7712,7 +7500,7 @@
                 <a16:creationId xmlns:a16="http://schemas.microsoft.com/office/drawing/2014/main" id="{3B854194-185D-494D-905C-7C7CB2E30F6E}"/>
               </a:ext>
               <a:ext uri="{C183D7F6-B498-43B3-948B-1728B52AA6E4}">
-                <adec:decorative xmlns:adec="http://schemas.microsoft.com/office/drawing/2017/decorative" xmlns="" val="1"/>
+                <adec:decorative xmlns:adec="http://schemas.microsoft.com/office/drawing/2017/decorative" val="1"/>
               </a:ext>
             </a:extLst>
           </p:cNvPr>
@@ -7772,7 +7560,7 @@
                 <a16:creationId xmlns:a16="http://schemas.microsoft.com/office/drawing/2014/main" id="{B4F5FA0D-0104-4987-8241-EFF7C85B88DE}"/>
               </a:ext>
               <a:ext uri="{C183D7F6-B498-43B3-948B-1728B52AA6E4}">
-                <adec:decorative xmlns:adec="http://schemas.microsoft.com/office/drawing/2017/decorative" xmlns="" val="1"/>
+                <adec:decorative xmlns:adec="http://schemas.microsoft.com/office/drawing/2017/decorative" val="1"/>
               </a:ext>
             </a:extLst>
           </p:cNvPr>
@@ -7857,7 +7645,7 @@
                 <a16:creationId xmlns:a16="http://schemas.microsoft.com/office/drawing/2014/main" id="{2897127E-6CEF-446C-BE87-93B7C46E49D1}"/>
               </a:ext>
               <a:ext uri="{C183D7F6-B498-43B3-948B-1728B52AA6E4}">
-                <adec:decorative xmlns:adec="http://schemas.microsoft.com/office/drawing/2017/decorative" xmlns="" val="1"/>
+                <adec:decorative xmlns:adec="http://schemas.microsoft.com/office/drawing/2017/decorative" val="1"/>
               </a:ext>
             </a:extLst>
           </p:cNvPr>
@@ -7923,18 +7711,13 @@
           <a:lstStyle/>
           <a:p>
             <a:r>
-              <a:rPr lang="en-US" b="1" dirty="0" smtClean="0">
+              <a:rPr lang="en-US" b="1" dirty="0">
                 <a:solidFill>
                   <a:srgbClr val="FFFFFF"/>
                 </a:solidFill>
               </a:rPr>
               <a:t>Observations:</a:t>
             </a:r>
-            <a:endParaRPr lang="en-US" b="1" dirty="0">
-              <a:solidFill>
-                <a:srgbClr val="FFFFFF"/>
-              </a:solidFill>
-            </a:endParaRPr>
           </a:p>
         </p:txBody>
       </p:sp>
@@ -7985,24 +7768,7 @@
                 </a:solidFill>
                 <a:effectLst/>
               </a:rPr>
-              <a:t> (average total monthly/average monthly search volume for </a:t>
-            </a:r>
-            <a:r>
-              <a:rPr lang="en-US" dirty="0" smtClean="0">
-                <a:solidFill>
-                  <a:schemeClr val="bg1"/>
-                </a:solidFill>
-                <a:effectLst/>
-              </a:rPr>
-              <a:t>keyword.  The</a:t>
-            </a:r>
-            <a:r>
-              <a:rPr lang="en-US" dirty="0" smtClean="0">
-                <a:solidFill>
-                  <a:schemeClr val="bg1"/>
-                </a:solidFill>
-              </a:rPr>
-              <a:t> </a:t>
+              <a:t> (average total monthly/average monthly search volume for keyword.  The</a:t>
             </a:r>
             <a:r>
               <a:rPr lang="en-US" dirty="0">
@@ -8010,15 +7776,7 @@
                   <a:schemeClr val="bg1"/>
                 </a:solidFill>
               </a:rPr>
-              <a:t>most popular search </a:t>
-            </a:r>
-            <a:r>
-              <a:rPr lang="en-US" dirty="0" smtClean="0">
-                <a:solidFill>
-                  <a:schemeClr val="bg1"/>
-                </a:solidFill>
-              </a:rPr>
-              <a:t>keywords have been chosen.</a:t>
+              <a:t> most popular search keywords have been chosen.</a:t>
             </a:r>
           </a:p>
           <a:p>
@@ -8048,15 +7806,7 @@
                   <a:schemeClr val="bg1"/>
                 </a:solidFill>
               </a:rPr>
-              <a:t> are correlated with each other - they tend to spike and crash </a:t>
-            </a:r>
-            <a:r>
-              <a:rPr lang="en-US" dirty="0" smtClean="0">
-                <a:solidFill>
-                  <a:schemeClr val="bg1"/>
-                </a:solidFill>
-              </a:rPr>
-              <a:t>collectively</a:t>
+              <a:t> are correlated with each other - they tend to spike and crash collectively</a:t>
             </a:r>
           </a:p>
           <a:p>
@@ -8070,15 +7820,7 @@
                   <a:schemeClr val="bg1"/>
                 </a:solidFill>
               </a:rPr>
-              <a:t>2017 and 2018 </a:t>
-            </a:r>
-            <a:r>
-              <a:rPr lang="en-US" dirty="0" smtClean="0">
-                <a:solidFill>
-                  <a:schemeClr val="bg1"/>
-                </a:solidFill>
-              </a:rPr>
-              <a:t>saw the boom and crash of Bitcoin.  Other cryptocurrency followed.</a:t>
+              <a:t>2017 and 2018 saw the boom and crash of Bitcoin.  Other cryptocurrency followed.</a:t>
             </a:r>
           </a:p>
           <a:p>
@@ -8087,18 +7829,13 @@
               <a:buChar char="•"/>
             </a:pPr>
             <a:r>
-              <a:rPr lang="en-US" dirty="0" smtClean="0">
+              <a:rPr lang="en-US" dirty="0">
                 <a:solidFill>
                   <a:schemeClr val="bg1"/>
                 </a:solidFill>
               </a:rPr>
               <a:t>There are difference in scales on price of chosen market indexes. </a:t>
             </a:r>
-            <a:endParaRPr lang="en-US" dirty="0">
-              <a:solidFill>
-                <a:schemeClr val="bg1"/>
-              </a:solidFill>
-            </a:endParaRPr>
           </a:p>
         </p:txBody>
       </p:sp>
@@ -8294,13 +8031,6 @@
   <p:clrMapOvr>
     <a:masterClrMapping/>
   </p:clrMapOvr>
-  <p:timing>
-    <p:tnLst>
-      <p:par>
-        <p:cTn id="1" dur="indefinite" restart="never" nodeType="tmRoot"/>
-      </p:par>
-    </p:tnLst>
-  </p:timing>
 </p:sld>
 </file>
 
@@ -8337,7 +8067,7 @@
                 <a16:creationId xmlns:a16="http://schemas.microsoft.com/office/drawing/2014/main" id="{823AC064-BC96-4F32-8AE1-B2FD38754823}"/>
               </a:ext>
               <a:ext uri="{C183D7F6-B498-43B3-948B-1728B52AA6E4}">
-                <adec:decorative xmlns:adec="http://schemas.microsoft.com/office/drawing/2017/decorative" xmlns="" val="1"/>
+                <adec:decorative xmlns:adec="http://schemas.microsoft.com/office/drawing/2017/decorative" val="1"/>
               </a:ext>
             </a:extLst>
           </p:cNvPr>
@@ -8447,7 +8177,7 @@
                 <a16:creationId xmlns:a16="http://schemas.microsoft.com/office/drawing/2014/main" id="{7E7C77BC-7138-40B1-A15B-20F57A494629}"/>
               </a:ext>
               <a:ext uri="{C183D7F6-B498-43B3-948B-1728B52AA6E4}">
-                <adec:decorative xmlns:adec="http://schemas.microsoft.com/office/drawing/2017/decorative" xmlns="" val="1"/>
+                <adec:decorative xmlns:adec="http://schemas.microsoft.com/office/drawing/2017/decorative" val="1"/>
               </a:ext>
             </a:extLst>
           </p:cNvPr>
@@ -8529,7 +8259,7 @@
                 <a16:creationId xmlns:a16="http://schemas.microsoft.com/office/drawing/2014/main" id="{DB146403-F3D6-484B-B2ED-97F9565D0370}"/>
               </a:ext>
               <a:ext uri="{C183D7F6-B498-43B3-948B-1728B52AA6E4}">
-                <adec:decorative xmlns:adec="http://schemas.microsoft.com/office/drawing/2017/decorative" xmlns="" val="1"/>
+                <adec:decorative xmlns:adec="http://schemas.microsoft.com/office/drawing/2017/decorative" val="1"/>
               </a:ext>
             </a:extLst>
           </p:cNvPr>
@@ -8662,13 +8392,6 @@
   <p:clrMapOvr>
     <a:masterClrMapping/>
   </p:clrMapOvr>
-  <p:timing>
-    <p:tnLst>
-      <p:par>
-        <p:cTn id="1" dur="indefinite" restart="never" nodeType="tmRoot"/>
-      </p:par>
-    </p:tnLst>
-  </p:timing>
 </p:sld>
 </file>
 
@@ -8705,7 +8428,7 @@
                 <a16:creationId xmlns:a16="http://schemas.microsoft.com/office/drawing/2014/main" id="{823AC064-BC96-4F32-8AE1-B2FD38754823}"/>
               </a:ext>
               <a:ext uri="{C183D7F6-B498-43B3-948B-1728B52AA6E4}">
-                <adec:decorative xmlns:adec="http://schemas.microsoft.com/office/drawing/2017/decorative" xmlns="" val="1"/>
+                <adec:decorative xmlns:adec="http://schemas.microsoft.com/office/drawing/2017/decorative" val="1"/>
               </a:ext>
             </a:extLst>
           </p:cNvPr>
@@ -8792,7 +8515,7 @@
           <a:p>
             <a:pPr algn="ctr"/>
             <a:r>
-              <a:rPr lang="en-US" dirty="0" smtClean="0">
+              <a:rPr lang="en-US" dirty="0">
                 <a:solidFill>
                   <a:schemeClr val="bg1"/>
                 </a:solidFill>
@@ -8815,7 +8538,7 @@
                 <a16:creationId xmlns:a16="http://schemas.microsoft.com/office/drawing/2014/main" id="{7E7C77BC-7138-40B1-A15B-20F57A494629}"/>
               </a:ext>
               <a:ext uri="{C183D7F6-B498-43B3-948B-1728B52AA6E4}">
-                <adec:decorative xmlns:adec="http://schemas.microsoft.com/office/drawing/2017/decorative" xmlns="" val="1"/>
+                <adec:decorative xmlns:adec="http://schemas.microsoft.com/office/drawing/2017/decorative" val="1"/>
               </a:ext>
             </a:extLst>
           </p:cNvPr>
@@ -8867,7 +8590,7 @@
                 <a16:creationId xmlns:a16="http://schemas.microsoft.com/office/drawing/2014/main" id="{DB146403-F3D6-484B-B2ED-97F9565D0370}"/>
               </a:ext>
               <a:ext uri="{C183D7F6-B498-43B3-948B-1728B52AA6E4}">
-                <adec:decorative xmlns:adec="http://schemas.microsoft.com/office/drawing/2017/decorative" xmlns="" val="1"/>
+                <adec:decorative xmlns:adec="http://schemas.microsoft.com/office/drawing/2017/decorative" val="1"/>
               </a:ext>
             </a:extLst>
           </p:cNvPr>
@@ -8948,44 +8671,12 @@
           <a:p>
             <a:pPr algn="ctr"/>
             <a:r>
-              <a:rPr lang="en-US" sz="2400" dirty="0" smtClean="0">
-                <a:solidFill>
-                  <a:schemeClr val="bg1"/>
-                </a:solidFill>
-              </a:rPr>
-              <a:t>Using Dow Jones Industrial Average for “Market” and Bitcoin for “Cryptocurrency,” we conclude that there </a:t>
-            </a:r>
-            <a:r>
-              <a:rPr lang="en-US" sz="2400" dirty="0" smtClean="0">
-                <a:solidFill>
-                  <a:schemeClr val="bg1"/>
-                </a:solidFill>
-              </a:rPr>
-              <a:t>is no strong </a:t>
-            </a:r>
-            <a:r>
               <a:rPr lang="en-US" sz="2400" dirty="0">
                 <a:solidFill>
                   <a:schemeClr val="bg1"/>
                 </a:solidFill>
               </a:rPr>
-              <a:t>correlation between </a:t>
-            </a:r>
-            <a:r>
-              <a:rPr lang="en-US" sz="2400" dirty="0" smtClean="0">
-                <a:solidFill>
-                  <a:schemeClr val="bg1"/>
-                </a:solidFill>
-              </a:rPr>
-              <a:t>the </a:t>
-            </a:r>
-            <a:r>
-              <a:rPr lang="en-US" sz="2400" dirty="0" smtClean="0">
-                <a:solidFill>
-                  <a:schemeClr val="bg1"/>
-                </a:solidFill>
-              </a:rPr>
-              <a:t>two</a:t>
+              <a:t>Using Dow Jones Industrial Average for “Market” and Bitcoin for “Cryptocurrency,” we conclude that there is no strong correlation between the two</a:t>
             </a:r>
             <a:endParaRPr lang="en-US" sz="2400" dirty="0"/>
           </a:p>
@@ -9073,13 +8764,6 @@
   <p:clrMapOvr>
     <a:masterClrMapping/>
   </p:clrMapOvr>
-  <p:timing>
-    <p:tnLst>
-      <p:par>
-        <p:cTn id="1" dur="indefinite" restart="never" nodeType="tmRoot"/>
-      </p:par>
-    </p:tnLst>
-  </p:timing>
 </p:sld>
 </file>
 
@@ -9116,7 +8800,7 @@
                 <a16:creationId xmlns:a16="http://schemas.microsoft.com/office/drawing/2014/main" id="{867D4867-5BA7-4462-B2F6-A23F4A622AA7}"/>
               </a:ext>
               <a:ext uri="{C183D7F6-B498-43B3-948B-1728B52AA6E4}">
-                <adec:decorative xmlns:adec="http://schemas.microsoft.com/office/drawing/2017/decorative" xmlns="" val="1"/>
+                <adec:decorative xmlns:adec="http://schemas.microsoft.com/office/drawing/2017/decorative" val="1"/>
               </a:ext>
             </a:extLst>
           </p:cNvPr>
@@ -9208,18 +8892,13 @@
           <a:p>
             <a:pPr algn="ctr"/>
             <a:r>
-              <a:rPr lang="en-US" sz="2800" b="1" dirty="0" smtClean="0">
+              <a:rPr lang="en-US" sz="2800" b="1" dirty="0">
                 <a:solidFill>
                   <a:schemeClr val="bg1"/>
                 </a:solidFill>
               </a:rPr>
               <a:t>For Further Consideration</a:t>
             </a:r>
-            <a:endParaRPr lang="en-US" sz="2800" b="1" dirty="0">
-              <a:solidFill>
-                <a:schemeClr val="bg1"/>
-              </a:solidFill>
-            </a:endParaRPr>
           </a:p>
         </p:txBody>
       </p:sp>
@@ -9256,7 +8935,7 @@
               <a:buChar char="•"/>
             </a:pPr>
             <a:r>
-              <a:rPr lang="en-US" sz="2800" dirty="0" smtClean="0"/>
+              <a:rPr lang="en-US" sz="2800" dirty="0"/>
               <a:t>Pie Charts</a:t>
             </a:r>
           </a:p>
@@ -9266,7 +8945,7 @@
               <a:buChar char="•"/>
             </a:pPr>
             <a:r>
-              <a:rPr lang="en-US" sz="2800" dirty="0" smtClean="0"/>
+              <a:rPr lang="en-US" sz="2800" dirty="0"/>
               <a:t>Histograms</a:t>
             </a:r>
           </a:p>
@@ -9276,7 +8955,7 @@
               <a:buChar char="•"/>
             </a:pPr>
             <a:r>
-              <a:rPr lang="en-US" sz="2800" dirty="0" smtClean="0"/>
+              <a:rPr lang="en-US" sz="2800" dirty="0"/>
               <a:t>Boxplot</a:t>
             </a:r>
           </a:p>
@@ -9286,10 +8965,10 @@
               <a:buChar char="•"/>
             </a:pPr>
             <a:r>
-              <a:rPr lang="en-US" sz="2800" dirty="0" err="1" smtClean="0"/>
+              <a:rPr lang="en-US" sz="2800" dirty="0" err="1"/>
               <a:t>scipy.stats</a:t>
             </a:r>
-            <a:endParaRPr lang="en-US" sz="2800" dirty="0" smtClean="0"/>
+            <a:endParaRPr lang="en-US" sz="2800" dirty="0"/>
           </a:p>
           <a:p>
             <a:pPr marL="285750" indent="-285750">
@@ -9400,7 +9079,7 @@
               <a:buChar char="•"/>
             </a:pPr>
             <a:r>
-              <a:rPr lang="en-US" sz="2800" dirty="0" smtClean="0"/>
+              <a:rPr lang="en-US" sz="2800" dirty="0"/>
               <a:t>Global trends</a:t>
             </a:r>
           </a:p>
@@ -9410,7 +9089,7 @@
               <a:buChar char="•"/>
             </a:pPr>
             <a:r>
-              <a:rPr lang="en-US" sz="2800" dirty="0" smtClean="0"/>
+              <a:rPr lang="en-US" sz="2800" dirty="0"/>
               <a:t>Influence of major players in the currency market to cryptocurrency</a:t>
             </a:r>
           </a:p>
@@ -9420,7 +9099,7 @@
               <a:buChar char="•"/>
             </a:pPr>
             <a:r>
-              <a:rPr lang="en-US" sz="2800" dirty="0" smtClean="0"/>
+              <a:rPr lang="en-US" sz="2800" dirty="0"/>
               <a:t>The relationship between cryptocurrency, technology (e.g. machine learning), and social trust</a:t>
             </a:r>
           </a:p>
@@ -9430,7 +9109,7 @@
               <a:buChar char="•"/>
             </a:pPr>
             <a:r>
-              <a:rPr lang="en-US" sz="2800" dirty="0" smtClean="0"/>
+              <a:rPr lang="en-US" sz="2800" dirty="0"/>
               <a:t>Currency regulation and timing</a:t>
             </a:r>
           </a:p>
@@ -9446,13 +9125,6 @@
   <p:clrMapOvr>
     <a:masterClrMapping/>
   </p:clrMapOvr>
-  <p:timing>
-    <p:tnLst>
-      <p:par>
-        <p:cTn id="1" dur="indefinite" restart="never" nodeType="tmRoot"/>
-      </p:par>
-    </p:tnLst>
-  </p:timing>
 </p:sld>
 </file>
 
@@ -9512,13 +9184,6 @@
   <p:clrMapOvr>
     <a:masterClrMapping/>
   </p:clrMapOvr>
-  <p:timing>
-    <p:tnLst>
-      <p:par>
-        <p:cTn id="1" dur="indefinite" restart="never" nodeType="tmRoot"/>
-      </p:par>
-    </p:tnLst>
-  </p:timing>
 </p:sld>
 </file>
 

--- a/CryptoProject.pptx
+++ b/CryptoProject.pptx
@@ -6482,20 +6482,12 @@
               <a:buChar char="•"/>
             </a:pPr>
             <a:r>
-              <a:rPr lang="en-US" b="1">
-                <a:solidFill>
-                  <a:srgbClr val="FF0000"/>
-                </a:solidFill>
-              </a:rPr>
-              <a:t> $184.5 </a:t>
-            </a:r>
-            <a:r>
               <a:rPr lang="en-US" b="1" dirty="0">
                 <a:solidFill>
                   <a:srgbClr val="FF0000"/>
                 </a:solidFill>
               </a:rPr>
-              <a:t>Billions </a:t>
+              <a:t> $184.5 Billions </a:t>
             </a:r>
             <a:r>
               <a:rPr lang="en-US" dirty="0"/>
@@ -6509,11 +6501,11 @@
             </a:pPr>
             <a:r>
               <a:rPr lang="en-US" dirty="0"/>
-              <a:t>The most expensive coin </a:t>
+              <a:t>The most expensive coin</a:t>
             </a:r>
             <a:r>
               <a:rPr lang="en-US" b="1" dirty="0"/>
-              <a:t>RSK Smart Bitcoin  </a:t>
+              <a:t> Bitcoin  </a:t>
             </a:r>
             <a:r>
               <a:rPr lang="en-US" dirty="0"/>
@@ -6591,7 +6583,7 @@
             </a:pPr>
             <a:r>
               <a:rPr lang="en-US" b="1" dirty="0"/>
-              <a:t>Bitcoins don’t grow on trees)))</a:t>
+              <a:t>Bitcoins don’t grow on trees.</a:t>
             </a:r>
           </a:p>
           <a:p>
@@ -7023,7 +7015,7 @@
         </p:nvSpPr>
         <p:spPr>
           <a:xfrm>
-            <a:off x="838200" y="365127"/>
+            <a:off x="718039" y="402980"/>
             <a:ext cx="10515600" cy="315910"/>
           </a:xfrm>
         </p:spPr>

--- a/CryptoProject.pptx
+++ b/CryptoProject.pptx
@@ -228,7 +228,7 @@
           <a:p>
             <a:fld id="{8410B088-D4CF-442A-977E-725FBCB8DB27}" type="datetimeFigureOut">
               <a:rPr lang="en-US" smtClean="0"/>
-              <a:t>4/4/19</a:t>
+              <a:t>4/8/19</a:t>
             </a:fld>
             <a:endParaRPr lang="en-US"/>
           </a:p>
@@ -393,7 +393,7 @@
           <a:p>
             <a:fld id="{2A2C037C-DB50-4CFF-BFB2-24DE6087B240}" type="datetimeFigureOut">
               <a:rPr lang="en-US" smtClean="0"/>
-              <a:t>4/4/19</a:t>
+              <a:t>4/8/19</a:t>
             </a:fld>
             <a:endParaRPr lang="en-US"/>
           </a:p>
@@ -1201,7 +1201,7 @@
           <a:p>
             <a:fld id="{B0535595-16B6-FA4A-8E7A-57CDD7B5B55A}" type="datetimeFigureOut">
               <a:rPr lang="en-US" smtClean="0"/>
-              <a:t>4/4/19</a:t>
+              <a:t>4/8/19</a:t>
             </a:fld>
             <a:endParaRPr lang="en-US"/>
           </a:p>
@@ -1399,7 +1399,7 @@
           <a:p>
             <a:fld id="{B0535595-16B6-FA4A-8E7A-57CDD7B5B55A}" type="datetimeFigureOut">
               <a:rPr lang="en-US" smtClean="0"/>
-              <a:t>4/4/19</a:t>
+              <a:t>4/8/19</a:t>
             </a:fld>
             <a:endParaRPr lang="en-US"/>
           </a:p>
@@ -1607,7 +1607,7 @@
           <a:p>
             <a:fld id="{B0535595-16B6-FA4A-8E7A-57CDD7B5B55A}" type="datetimeFigureOut">
               <a:rPr lang="en-US" smtClean="0"/>
-              <a:t>4/4/19</a:t>
+              <a:t>4/8/19</a:t>
             </a:fld>
             <a:endParaRPr lang="en-US"/>
           </a:p>
@@ -1805,7 +1805,7 @@
           <a:p>
             <a:fld id="{B0535595-16B6-FA4A-8E7A-57CDD7B5B55A}" type="datetimeFigureOut">
               <a:rPr lang="en-US" smtClean="0"/>
-              <a:t>4/4/19</a:t>
+              <a:t>4/8/19</a:t>
             </a:fld>
             <a:endParaRPr lang="en-US"/>
           </a:p>
@@ -2080,7 +2080,7 @@
           <a:p>
             <a:fld id="{B0535595-16B6-FA4A-8E7A-57CDD7B5B55A}" type="datetimeFigureOut">
               <a:rPr lang="en-US" smtClean="0"/>
-              <a:t>4/4/19</a:t>
+              <a:t>4/8/19</a:t>
             </a:fld>
             <a:endParaRPr lang="en-US"/>
           </a:p>
@@ -2345,7 +2345,7 @@
           <a:p>
             <a:fld id="{B0535595-16B6-FA4A-8E7A-57CDD7B5B55A}" type="datetimeFigureOut">
               <a:rPr lang="en-US" smtClean="0"/>
-              <a:t>4/4/19</a:t>
+              <a:t>4/8/19</a:t>
             </a:fld>
             <a:endParaRPr lang="en-US"/>
           </a:p>
@@ -2757,7 +2757,7 @@
           <a:p>
             <a:fld id="{B0535595-16B6-FA4A-8E7A-57CDD7B5B55A}" type="datetimeFigureOut">
               <a:rPr lang="en-US" smtClean="0"/>
-              <a:t>4/4/19</a:t>
+              <a:t>4/8/19</a:t>
             </a:fld>
             <a:endParaRPr lang="en-US"/>
           </a:p>
@@ -2898,7 +2898,7 @@
           <a:p>
             <a:fld id="{B0535595-16B6-FA4A-8E7A-57CDD7B5B55A}" type="datetimeFigureOut">
               <a:rPr lang="en-US" smtClean="0"/>
-              <a:t>4/4/19</a:t>
+              <a:t>4/8/19</a:t>
             </a:fld>
             <a:endParaRPr lang="en-US"/>
           </a:p>
@@ -3011,7 +3011,7 @@
           <a:p>
             <a:fld id="{B0535595-16B6-FA4A-8E7A-57CDD7B5B55A}" type="datetimeFigureOut">
               <a:rPr lang="en-US" smtClean="0"/>
-              <a:t>4/4/19</a:t>
+              <a:t>4/8/19</a:t>
             </a:fld>
             <a:endParaRPr lang="en-US"/>
           </a:p>
@@ -3322,7 +3322,7 @@
           <a:p>
             <a:fld id="{B0535595-16B6-FA4A-8E7A-57CDD7B5B55A}" type="datetimeFigureOut">
               <a:rPr lang="en-US" smtClean="0"/>
-              <a:t>4/4/19</a:t>
+              <a:t>4/8/19</a:t>
             </a:fld>
             <a:endParaRPr lang="en-US"/>
           </a:p>
@@ -3610,7 +3610,7 @@
           <a:p>
             <a:fld id="{B0535595-16B6-FA4A-8E7A-57CDD7B5B55A}" type="datetimeFigureOut">
               <a:rPr lang="en-US" smtClean="0"/>
-              <a:t>4/4/19</a:t>
+              <a:t>4/8/19</a:t>
             </a:fld>
             <a:endParaRPr lang="en-US"/>
           </a:p>
@@ -3851,7 +3851,7 @@
           <a:p>
             <a:fld id="{B0535595-16B6-FA4A-8E7A-57CDD7B5B55A}" type="datetimeFigureOut">
               <a:rPr lang="en-US" smtClean="0"/>
-              <a:t>4/4/19</a:t>
+              <a:t>4/8/19</a:t>
             </a:fld>
             <a:endParaRPr lang="en-US"/>
           </a:p>
@@ -5835,7 +5835,7 @@
                   <a:schemeClr val="bg1"/>
                 </a:solidFill>
               </a:rPr>
-              <a:t>Most of the cryptos are correlated with each other - they tend to spike and crash collectively</a:t>
+              <a:t>some of the cryptos are correlated with each other - they tend to spike and crash collectively</a:t>
             </a:r>
           </a:p>
           <a:p>
